--- a/Airline-Satisfaction-Prediction-using-R/PDA_AIRLINE_PROJECT.pptx
+++ b/Airline-Satisfaction-Prediction-using-R/PDA_AIRLINE_PROJECT.pptx
@@ -10239,19 +10239,33 @@
                 <a:latin typeface="Times New Roman" panose="02020603050405020304" pitchFamily="18" charset="0"/>
                 <a:cs typeface="Times New Roman" panose="02020603050405020304" pitchFamily="18" charset="0"/>
               </a:rPr>
-              <a:t>Pratik Darade (A20536376)</a:t>
+              <a:t>Ishan Prabhune</a:t>
             </a:r>
           </a:p>
           <a:p>
             <a:pPr marL="0" indent="0">
               <a:buNone/>
             </a:pPr>
+            <a:r>
+              <a:rPr lang="en-US" dirty="0" smtClean="0">
+                <a:latin typeface="Times New Roman" panose="02020603050405020304" pitchFamily="18" charset="0"/>
+                <a:cs typeface="Times New Roman" panose="02020603050405020304" pitchFamily="18" charset="0"/>
+              </a:rPr>
+              <a:t>Pratik </a:t>
+            </a:r>
+            <a:r>
+              <a:rPr lang="en-US" dirty="0" err="1">
+                <a:latin typeface="Times New Roman" panose="02020603050405020304" pitchFamily="18" charset="0"/>
+                <a:cs typeface="Times New Roman" panose="02020603050405020304" pitchFamily="18" charset="0"/>
+              </a:rPr>
+              <a:t>Darade</a:t>
+            </a:r>
             <a:r>
               <a:rPr lang="en-US" dirty="0">
                 <a:latin typeface="Times New Roman" panose="02020603050405020304" pitchFamily="18" charset="0"/>
                 <a:cs typeface="Times New Roman" panose="02020603050405020304" pitchFamily="18" charset="0"/>
               </a:rPr>
-              <a:t>Harshal Sawant (A20538827)</a:t>
+              <a:t> </a:t>
             </a:r>
           </a:p>
           <a:p>
@@ -10263,8 +10277,38 @@
                 <a:latin typeface="Times New Roman" panose="02020603050405020304" pitchFamily="18" charset="0"/>
                 <a:cs typeface="Times New Roman" panose="02020603050405020304" pitchFamily="18" charset="0"/>
               </a:rPr>
-              <a:t>Ishan Prabhune (A20538828)</a:t>
-            </a:r>
+              <a:t>Harshal </a:t>
+            </a:r>
+            <a:r>
+              <a:rPr lang="en-US" dirty="0" err="1">
+                <a:latin typeface="Times New Roman" panose="02020603050405020304" pitchFamily="18" charset="0"/>
+                <a:cs typeface="Times New Roman" panose="02020603050405020304" pitchFamily="18" charset="0"/>
+              </a:rPr>
+              <a:t>Sawant</a:t>
+            </a:r>
+            <a:r>
+              <a:rPr lang="en-US" dirty="0">
+                <a:latin typeface="Times New Roman" panose="02020603050405020304" pitchFamily="18" charset="0"/>
+                <a:cs typeface="Times New Roman" panose="02020603050405020304" pitchFamily="18" charset="0"/>
+              </a:rPr>
+              <a:t> </a:t>
+            </a:r>
+          </a:p>
+          <a:p>
+            <a:pPr marL="0" indent="0">
+              <a:buNone/>
+            </a:pPr>
+            <a:r>
+              <a:rPr lang="en-US" dirty="0" smtClean="0">
+                <a:latin typeface="Times New Roman" panose="02020603050405020304" pitchFamily="18" charset="0"/>
+                <a:cs typeface="Times New Roman" panose="02020603050405020304" pitchFamily="18" charset="0"/>
+              </a:rPr>
+              <a:t> </a:t>
+            </a:r>
+            <a:endParaRPr lang="en-US" dirty="0">
+              <a:latin typeface="Times New Roman" panose="02020603050405020304" pitchFamily="18" charset="0"/>
+              <a:cs typeface="Times New Roman" panose="02020603050405020304" pitchFamily="18" charset="0"/>
+            </a:endParaRPr>
           </a:p>
         </p:txBody>
       </p:sp>
@@ -10521,11 +10565,7 @@
             </a:r>
             <a:r>
               <a:rPr lang="en-US" sz="3100" dirty="0" smtClean="0"/>
-              <a:t>and Satisfaction of </a:t>
-            </a:r>
-            <a:r>
-              <a:rPr lang="en-US" sz="3100" dirty="0" smtClean="0"/>
-              <a:t>passenger’s</a:t>
+              <a:t>and Satisfaction of passenger’s</a:t>
             </a:r>
             <a:r>
               <a:rPr lang="en-US" sz="3600" dirty="0" smtClean="0"/>
@@ -10568,15 +10608,7 @@
             </a:r>
             <a:r>
               <a:rPr lang="en-US" dirty="0" smtClean="0"/>
-              <a:t>delay of Arrival (</a:t>
-            </a:r>
-            <a:r>
-              <a:rPr lang="en-US" dirty="0" smtClean="0"/>
-              <a:t>Arrival Delay</a:t>
-            </a:r>
-            <a:r>
-              <a:rPr lang="en-US" dirty="0" smtClean="0"/>
-              <a:t>).</a:t>
+              <a:t>delay of Arrival (Arrival Delay).</a:t>
             </a:r>
             <a:endParaRPr lang="en-US" dirty="0"/>
           </a:p>
@@ -10587,11 +10619,7 @@
             </a:r>
             <a:r>
               <a:rPr lang="en-US" dirty="0" smtClean="0"/>
-              <a:t>level</a:t>
-            </a:r>
-            <a:r>
-              <a:rPr lang="en-US" dirty="0" smtClean="0"/>
-              <a:t> </a:t>
+              <a:t>level </a:t>
             </a:r>
             <a:r>
               <a:rPr lang="en-US" dirty="0"/>
@@ -10599,15 +10627,7 @@
             </a:r>
             <a:r>
               <a:rPr lang="en-US" dirty="0" smtClean="0"/>
-              <a:t>Satisfaction (</a:t>
-            </a:r>
-            <a:r>
-              <a:rPr lang="en-US" dirty="0" smtClean="0"/>
-              <a:t>Satisfaction</a:t>
-            </a:r>
-            <a:r>
-              <a:rPr lang="en-US" dirty="0" smtClean="0"/>
-              <a:t>).</a:t>
+              <a:t>Satisfaction (Satisfaction).</a:t>
             </a:r>
             <a:endParaRPr lang="en-US" dirty="0"/>
           </a:p>
@@ -10789,7 +10809,7 @@
                 <a16:creationId xmlns:a16="http://schemas.microsoft.com/office/drawing/2014/main" id="{BF4E480B-94D6-46F9-A2B6-B98D311FDC19}"/>
               </a:ext>
               <a:ext uri="{C183D7F6-B498-43B3-948B-1728B52AA6E4}">
-                <adec:decorative xmlns:adec="http://schemas.microsoft.com/office/drawing/2017/decorative" xmlns="" val="1"/>
+                <adec:decorative xmlns="" xmlns:adec="http://schemas.microsoft.com/office/drawing/2017/decorative" val="1"/>
               </a:ext>
             </a:extLst>
           </p:cNvPr>
@@ -10820,7 +10840,7 @@
                   <a16:creationId xmlns:a16="http://schemas.microsoft.com/office/drawing/2014/main" id="{07183CDE-91A1-40C3-8E80-66F89E1C2D53}"/>
                 </a:ext>
                 <a:ext uri="{C183D7F6-B498-43B3-948B-1728B52AA6E4}">
-                  <adec:decorative xmlns:adec="http://schemas.microsoft.com/office/drawing/2017/decorative" xmlns="" val="1"/>
+                  <adec:decorative xmlns="" xmlns:adec="http://schemas.microsoft.com/office/drawing/2017/decorative" val="1"/>
                 </a:ext>
               </a:extLst>
             </p:cNvPr>
@@ -10901,7 +10921,7 @@
                   <a16:creationId xmlns:a16="http://schemas.microsoft.com/office/drawing/2014/main" id="{A6756515-F9AA-46BD-8DD2-AA15BA492AC0}"/>
                 </a:ext>
                 <a:ext uri="{C183D7F6-B498-43B3-948B-1728B52AA6E4}">
-                  <adec:decorative xmlns:adec="http://schemas.microsoft.com/office/drawing/2017/decorative" xmlns="" val="1"/>
+                  <adec:decorative xmlns="" xmlns:adec="http://schemas.microsoft.com/office/drawing/2017/decorative" val="1"/>
                 </a:ext>
               </a:extLst>
             </p:cNvPr>
@@ -10969,7 +10989,7 @@
                   <a16:creationId xmlns:a16="http://schemas.microsoft.com/office/drawing/2014/main" id="{ABA365E2-8B71-408B-9092-0104216AC7AC}"/>
                 </a:ext>
                 <a:ext uri="{C183D7F6-B498-43B3-948B-1728B52AA6E4}">
-                  <adec:decorative xmlns:adec="http://schemas.microsoft.com/office/drawing/2017/decorative" xmlns="" val="1"/>
+                  <adec:decorative xmlns="" xmlns:adec="http://schemas.microsoft.com/office/drawing/2017/decorative" val="1"/>
                 </a:ext>
               </a:extLst>
             </p:cNvPr>
@@ -11037,7 +11057,7 @@
                   <a16:creationId xmlns:a16="http://schemas.microsoft.com/office/drawing/2014/main" id="{BEDB8D7A-1BF6-4CDB-B93A-7736955F5043}"/>
                 </a:ext>
                 <a:ext uri="{C183D7F6-B498-43B3-948B-1728B52AA6E4}">
-                  <adec:decorative xmlns:adec="http://schemas.microsoft.com/office/drawing/2017/decorative" xmlns="" val="1"/>
+                  <adec:decorative xmlns="" xmlns:adec="http://schemas.microsoft.com/office/drawing/2017/decorative" val="1"/>
                 </a:ext>
               </a:extLst>
             </p:cNvPr>
@@ -11068,7 +11088,7 @@
                     <a16:creationId xmlns:a16="http://schemas.microsoft.com/office/drawing/2014/main" id="{5AACD774-5167-46C7-8A62-6E2FE4BE9469}"/>
                   </a:ext>
                   <a:ext uri="{C183D7F6-B498-43B3-948B-1728B52AA6E4}">
-                    <adec:decorative xmlns:adec="http://schemas.microsoft.com/office/drawing/2017/decorative" xmlns="" val="1"/>
+                    <adec:decorative xmlns="" xmlns:adec="http://schemas.microsoft.com/office/drawing/2017/decorative" val="1"/>
                   </a:ext>
                 </a:extLst>
               </p:cNvPr>
@@ -11145,7 +11165,7 @@
                     <a16:creationId xmlns:a16="http://schemas.microsoft.com/office/drawing/2014/main" id="{06E0F2D8-452E-48F9-9912-C47EAEAE1802}"/>
                   </a:ext>
                   <a:ext uri="{C183D7F6-B498-43B3-948B-1728B52AA6E4}">
-                    <adec:decorative xmlns:adec="http://schemas.microsoft.com/office/drawing/2017/decorative" xmlns="" val="1"/>
+                    <adec:decorative xmlns="" xmlns:adec="http://schemas.microsoft.com/office/drawing/2017/decorative" val="1"/>
                   </a:ext>
                 </a:extLst>
               </p:cNvPr>
@@ -11223,7 +11243,7 @@
                   <a16:creationId xmlns:a16="http://schemas.microsoft.com/office/drawing/2014/main" id="{91FBBF95-430B-427C-A6E8-DB899217FC00}"/>
                 </a:ext>
                 <a:ext uri="{C183D7F6-B498-43B3-948B-1728B52AA6E4}">
-                  <adec:decorative xmlns:adec="http://schemas.microsoft.com/office/drawing/2017/decorative" xmlns="" val="1"/>
+                  <adec:decorative xmlns="" xmlns:adec="http://schemas.microsoft.com/office/drawing/2017/decorative" val="1"/>
                 </a:ext>
               </a:extLst>
             </p:cNvPr>
@@ -11254,7 +11274,7 @@
                     <a16:creationId xmlns:a16="http://schemas.microsoft.com/office/drawing/2014/main" id="{BEE64698-3ED2-4395-B7FC-65248E437E0A}"/>
                   </a:ext>
                   <a:ext uri="{C183D7F6-B498-43B3-948B-1728B52AA6E4}">
-                    <adec:decorative xmlns:adec="http://schemas.microsoft.com/office/drawing/2017/decorative" xmlns="" val="1"/>
+                    <adec:decorative xmlns="" xmlns:adec="http://schemas.microsoft.com/office/drawing/2017/decorative" val="1"/>
                   </a:ext>
                 </a:extLst>
               </p:cNvPr>
@@ -11331,7 +11351,7 @@
                     <a16:creationId xmlns:a16="http://schemas.microsoft.com/office/drawing/2014/main" id="{FE20B1E1-CE09-4C2A-A3FB-DB8026C54E98}"/>
                   </a:ext>
                   <a:ext uri="{C183D7F6-B498-43B3-948B-1728B52AA6E4}">
-                    <adec:decorative xmlns:adec="http://schemas.microsoft.com/office/drawing/2017/decorative" xmlns="" val="1"/>
+                    <adec:decorative xmlns="" xmlns:adec="http://schemas.microsoft.com/office/drawing/2017/decorative" val="1"/>
                   </a:ext>
                 </a:extLst>
               </p:cNvPr>
@@ -11409,7 +11429,7 @@
                   <a16:creationId xmlns:a16="http://schemas.microsoft.com/office/drawing/2014/main" id="{0CB2405B-A907-48B3-906A-FB3573C0B282}"/>
                 </a:ext>
                 <a:ext uri="{C183D7F6-B498-43B3-948B-1728B52AA6E4}">
-                  <adec:decorative xmlns:adec="http://schemas.microsoft.com/office/drawing/2017/decorative" xmlns="" val="1"/>
+                  <adec:decorative xmlns="" xmlns:adec="http://schemas.microsoft.com/office/drawing/2017/decorative" val="1"/>
                 </a:ext>
               </a:extLst>
             </p:cNvPr>
@@ -11489,7 +11509,7 @@
                 <a16:creationId xmlns:a16="http://schemas.microsoft.com/office/drawing/2014/main" id="{6DC8E2D9-6729-4614-8667-C1016D3182E4}"/>
               </a:ext>
               <a:ext uri="{C183D7F6-B498-43B3-948B-1728B52AA6E4}">
-                <adec:decorative xmlns:adec="http://schemas.microsoft.com/office/drawing/2017/decorative" xmlns="" val="1"/>
+                <adec:decorative xmlns="" xmlns:adec="http://schemas.microsoft.com/office/drawing/2017/decorative" val="1"/>
               </a:ext>
             </a:extLst>
           </p:cNvPr>
@@ -11557,7 +11577,7 @@
                 <a16:creationId xmlns:a16="http://schemas.microsoft.com/office/drawing/2014/main" id="{9B9AACA9-BD92-429F-8047-0731DB46F99F}"/>
               </a:ext>
               <a:ext uri="{C183D7F6-B498-43B3-948B-1728B52AA6E4}">
-                <adec:decorative xmlns:adec="http://schemas.microsoft.com/office/drawing/2017/decorative" xmlns="" val="1"/>
+                <adec:decorative xmlns="" xmlns:adec="http://schemas.microsoft.com/office/drawing/2017/decorative" val="1"/>
               </a:ext>
             </a:extLst>
           </p:cNvPr>
@@ -11620,7 +11640,7 @@
                 <a16:creationId xmlns:a16="http://schemas.microsoft.com/office/drawing/2014/main" id="{B046D8F9-B18B-42F5-B320-22E156F4C0C8}"/>
               </a:ext>
               <a:ext uri="{C183D7F6-B498-43B3-948B-1728B52AA6E4}">
-                <adec:decorative xmlns:adec="http://schemas.microsoft.com/office/drawing/2017/decorative" xmlns="" val="1"/>
+                <adec:decorative xmlns="" xmlns:adec="http://schemas.microsoft.com/office/drawing/2017/decorative" val="1"/>
               </a:ext>
             </a:extLst>
           </p:cNvPr>
@@ -11651,7 +11671,7 @@
                   <a16:creationId xmlns:a16="http://schemas.microsoft.com/office/drawing/2014/main" id="{3980DF08-8878-4A99-871A-573EBF4F37B2}"/>
                 </a:ext>
                 <a:ext uri="{C183D7F6-B498-43B3-948B-1728B52AA6E4}">
-                  <adec:decorative xmlns:adec="http://schemas.microsoft.com/office/drawing/2017/decorative" xmlns="" val="1"/>
+                  <adec:decorative xmlns="" xmlns:adec="http://schemas.microsoft.com/office/drawing/2017/decorative" val="1"/>
                 </a:ext>
               </a:extLst>
             </p:cNvPr>
@@ -11728,7 +11748,7 @@
                   <a16:creationId xmlns:a16="http://schemas.microsoft.com/office/drawing/2014/main" id="{1E0FF3E7-007F-48E0-8352-89CE4375BB2D}"/>
                 </a:ext>
                 <a:ext uri="{C183D7F6-B498-43B3-948B-1728B52AA6E4}">
-                  <adec:decorative xmlns:adec="http://schemas.microsoft.com/office/drawing/2017/decorative" xmlns="" val="1"/>
+                  <adec:decorative xmlns="" xmlns:adec="http://schemas.microsoft.com/office/drawing/2017/decorative" val="1"/>
                 </a:ext>
               </a:extLst>
             </p:cNvPr>
@@ -11759,7 +11779,7 @@
                     <a16:creationId xmlns:a16="http://schemas.microsoft.com/office/drawing/2014/main" id="{F02DE4FC-8B38-40C7-A2F5-CBD4C6592E9A}"/>
                   </a:ext>
                   <a:ext uri="{C183D7F6-B498-43B3-948B-1728B52AA6E4}">
-                    <adec:decorative xmlns:adec="http://schemas.microsoft.com/office/drawing/2017/decorative" xmlns="" val="1"/>
+                    <adec:decorative xmlns="" xmlns:adec="http://schemas.microsoft.com/office/drawing/2017/decorative" val="1"/>
                   </a:ext>
                 </a:extLst>
               </p:cNvPr>
@@ -11836,7 +11856,7 @@
                     <a16:creationId xmlns:a16="http://schemas.microsoft.com/office/drawing/2014/main" id="{5C97C509-DDA4-4291-88B3-8E2B146099AB}"/>
                   </a:ext>
                   <a:ext uri="{C183D7F6-B498-43B3-948B-1728B52AA6E4}">
-                    <adec:decorative xmlns:adec="http://schemas.microsoft.com/office/drawing/2017/decorative" xmlns="" val="1"/>
+                    <adec:decorative xmlns="" xmlns:adec="http://schemas.microsoft.com/office/drawing/2017/decorative" val="1"/>
                   </a:ext>
                 </a:extLst>
               </p:cNvPr>
@@ -11914,7 +11934,7 @@
                   <a16:creationId xmlns:a16="http://schemas.microsoft.com/office/drawing/2014/main" id="{96345897-50D9-424E-A94E-18A63AEE85BA}"/>
                 </a:ext>
                 <a:ext uri="{C183D7F6-B498-43B3-948B-1728B52AA6E4}">
-                  <adec:decorative xmlns:adec="http://schemas.microsoft.com/office/drawing/2017/decorative" xmlns="" val="1"/>
+                  <adec:decorative xmlns="" xmlns:adec="http://schemas.microsoft.com/office/drawing/2017/decorative" val="1"/>
                 </a:ext>
               </a:extLst>
             </p:cNvPr>
@@ -11995,7 +12015,7 @@
                   <a16:creationId xmlns:a16="http://schemas.microsoft.com/office/drawing/2014/main" id="{266E6E08-BABA-49E9-884E-4805849158E7}"/>
                 </a:ext>
                 <a:ext uri="{C183D7F6-B498-43B3-948B-1728B52AA6E4}">
-                  <adec:decorative xmlns:adec="http://schemas.microsoft.com/office/drawing/2017/decorative" xmlns="" val="1"/>
+                  <adec:decorative xmlns="" xmlns:adec="http://schemas.microsoft.com/office/drawing/2017/decorative" val="1"/>
                 </a:ext>
               </a:extLst>
             </p:cNvPr>
